--- a/Slides/Practice/2 第一个游戏.pptx
+++ b/Slides/Practice/2 第一个游戏.pptx
@@ -16,7 +16,7 @@
     <p:sldId id="264" r:id="rId10"/>
     <p:sldId id="265" r:id="rId11"/>
   </p:sldIdLst>
-  <p:sldSz cx="9144000" cy="6858000" type="screen4x3"/>
+  <p:sldSz cx="9144000" cy="5143500" type="screen16x9"/>
   <p:notesSz cx="6858000" cy="9144000"/>
   <p:defaultTextStyle>
     <a:defPPr>
@@ -145,8 +145,8 @@
         </p:nvSpPr>
         <p:spPr>
           <a:xfrm>
-            <a:off x="685800" y="2130425"/>
-            <a:ext cx="7772400" cy="1470025"/>
+            <a:off x="685800" y="1597819"/>
+            <a:ext cx="7772400" cy="1102519"/>
           </a:xfrm>
         </p:spPr>
         <p:txBody>
@@ -173,8 +173,8 @@
         </p:nvSpPr>
         <p:spPr>
           <a:xfrm>
-            <a:off x="1371600" y="3886200"/>
-            <a:ext cx="6400800" cy="1752600"/>
+            <a:off x="1371600" y="2914650"/>
+            <a:ext cx="6400800" cy="1314450"/>
           </a:xfrm>
         </p:spPr>
         <p:txBody>
@@ -298,7 +298,7 @@
             <a:fld id="{530820CF-B880-4189-942D-D702A7CBA730}" type="datetimeFigureOut">
               <a:rPr lang="zh-CN" altLang="en-US" smtClean="0"/>
               <a:pPr/>
-              <a:t>2014/5/6</a:t>
+              <a:t>2018/3/3</a:t>
             </a:fld>
             <a:endParaRPr lang="zh-CN" altLang="en-US"/>
           </a:p>
@@ -465,7 +465,7 @@
             <a:fld id="{530820CF-B880-4189-942D-D702A7CBA730}" type="datetimeFigureOut">
               <a:rPr lang="zh-CN" altLang="en-US" smtClean="0"/>
               <a:pPr/>
-              <a:t>2014/5/6</a:t>
+              <a:t>2018/3/3</a:t>
             </a:fld>
             <a:endParaRPr lang="zh-CN" altLang="en-US"/>
           </a:p>
@@ -551,8 +551,8 @@
         </p:nvSpPr>
         <p:spPr>
           <a:xfrm>
-            <a:off x="6629400" y="274638"/>
-            <a:ext cx="2057400" cy="5851525"/>
+            <a:off x="6629400" y="205979"/>
+            <a:ext cx="2057400" cy="4388644"/>
           </a:xfrm>
         </p:spPr>
         <p:txBody>
@@ -579,8 +579,8 @@
         </p:nvSpPr>
         <p:spPr>
           <a:xfrm>
-            <a:off x="457200" y="274638"/>
-            <a:ext cx="6019800" cy="5851525"/>
+            <a:off x="457200" y="205979"/>
+            <a:ext cx="6019800" cy="4388644"/>
           </a:xfrm>
         </p:spPr>
         <p:txBody>
@@ -642,7 +642,7 @@
             <a:fld id="{530820CF-B880-4189-942D-D702A7CBA730}" type="datetimeFigureOut">
               <a:rPr lang="zh-CN" altLang="en-US" smtClean="0"/>
               <a:pPr/>
-              <a:t>2014/5/6</a:t>
+              <a:t>2018/3/3</a:t>
             </a:fld>
             <a:endParaRPr lang="zh-CN" altLang="en-US"/>
           </a:p>
@@ -809,7 +809,7 @@
             <a:fld id="{530820CF-B880-4189-942D-D702A7CBA730}" type="datetimeFigureOut">
               <a:rPr lang="zh-CN" altLang="en-US" smtClean="0"/>
               <a:pPr/>
-              <a:t>2014/5/6</a:t>
+              <a:t>2018/3/3</a:t>
             </a:fld>
             <a:endParaRPr lang="zh-CN" altLang="en-US"/>
           </a:p>
@@ -895,8 +895,8 @@
         </p:nvSpPr>
         <p:spPr>
           <a:xfrm>
-            <a:off x="722313" y="4406900"/>
-            <a:ext cx="7772400" cy="1362075"/>
+            <a:off x="722313" y="3305176"/>
+            <a:ext cx="7772400" cy="1021556"/>
           </a:xfrm>
         </p:spPr>
         <p:txBody>
@@ -927,8 +927,8 @@
         </p:nvSpPr>
         <p:spPr>
           <a:xfrm>
-            <a:off x="722313" y="2906713"/>
-            <a:ext cx="7772400" cy="1500187"/>
+            <a:off x="722313" y="2180035"/>
+            <a:ext cx="7772400" cy="1125140"/>
           </a:xfrm>
         </p:spPr>
         <p:txBody>
@@ -1052,7 +1052,7 @@
             <a:fld id="{530820CF-B880-4189-942D-D702A7CBA730}" type="datetimeFigureOut">
               <a:rPr lang="zh-CN" altLang="en-US" smtClean="0"/>
               <a:pPr/>
-              <a:t>2014/5/6</a:t>
+              <a:t>2018/3/3</a:t>
             </a:fld>
             <a:endParaRPr lang="zh-CN" altLang="en-US"/>
           </a:p>
@@ -1161,8 +1161,8 @@
         </p:nvSpPr>
         <p:spPr>
           <a:xfrm>
-            <a:off x="457200" y="1600200"/>
-            <a:ext cx="4038600" cy="4525963"/>
+            <a:off x="457200" y="1200151"/>
+            <a:ext cx="4038600" cy="3394472"/>
           </a:xfrm>
         </p:spPr>
         <p:txBody>
@@ -1246,8 +1246,8 @@
         </p:nvSpPr>
         <p:spPr>
           <a:xfrm>
-            <a:off x="4648200" y="1600200"/>
-            <a:ext cx="4038600" cy="4525963"/>
+            <a:off x="4648200" y="1200151"/>
+            <a:ext cx="4038600" cy="3394472"/>
           </a:xfrm>
         </p:spPr>
         <p:txBody>
@@ -1337,7 +1337,7 @@
             <a:fld id="{530820CF-B880-4189-942D-D702A7CBA730}" type="datetimeFigureOut">
               <a:rPr lang="zh-CN" altLang="en-US" smtClean="0"/>
               <a:pPr/>
-              <a:t>2014/5/6</a:t>
+              <a:t>2018/3/3</a:t>
             </a:fld>
             <a:endParaRPr lang="zh-CN" altLang="en-US"/>
           </a:p>
@@ -1450,8 +1450,8 @@
         </p:nvSpPr>
         <p:spPr>
           <a:xfrm>
-            <a:off x="457200" y="1535113"/>
-            <a:ext cx="4040188" cy="639762"/>
+            <a:off x="457200" y="1151335"/>
+            <a:ext cx="4040188" cy="479822"/>
           </a:xfrm>
         </p:spPr>
         <p:txBody>
@@ -1515,8 +1515,8 @@
         </p:nvSpPr>
         <p:spPr>
           <a:xfrm>
-            <a:off x="457200" y="2174875"/>
-            <a:ext cx="4040188" cy="3951288"/>
+            <a:off x="457200" y="1631156"/>
+            <a:ext cx="4040188" cy="2963466"/>
           </a:xfrm>
         </p:spPr>
         <p:txBody>
@@ -1600,8 +1600,8 @@
         </p:nvSpPr>
         <p:spPr>
           <a:xfrm>
-            <a:off x="4645025" y="1535113"/>
-            <a:ext cx="4041775" cy="639762"/>
+            <a:off x="4645026" y="1151335"/>
+            <a:ext cx="4041775" cy="479822"/>
           </a:xfrm>
         </p:spPr>
         <p:txBody>
@@ -1665,8 +1665,8 @@
         </p:nvSpPr>
         <p:spPr>
           <a:xfrm>
-            <a:off x="4645025" y="2174875"/>
-            <a:ext cx="4041775" cy="3951288"/>
+            <a:off x="4645026" y="1631156"/>
+            <a:ext cx="4041775" cy="2963466"/>
           </a:xfrm>
         </p:spPr>
         <p:txBody>
@@ -1756,7 +1756,7 @@
             <a:fld id="{530820CF-B880-4189-942D-D702A7CBA730}" type="datetimeFigureOut">
               <a:rPr lang="zh-CN" altLang="en-US" smtClean="0"/>
               <a:pPr/>
-              <a:t>2014/5/6</a:t>
+              <a:t>2018/3/3</a:t>
             </a:fld>
             <a:endParaRPr lang="zh-CN" altLang="en-US"/>
           </a:p>
@@ -1871,7 +1871,7 @@
             <a:fld id="{530820CF-B880-4189-942D-D702A7CBA730}" type="datetimeFigureOut">
               <a:rPr lang="zh-CN" altLang="en-US" smtClean="0"/>
               <a:pPr/>
-              <a:t>2014/5/6</a:t>
+              <a:t>2018/3/3</a:t>
             </a:fld>
             <a:endParaRPr lang="zh-CN" altLang="en-US"/>
           </a:p>
@@ -1963,7 +1963,7 @@
             <a:fld id="{530820CF-B880-4189-942D-D702A7CBA730}" type="datetimeFigureOut">
               <a:rPr lang="zh-CN" altLang="en-US" smtClean="0"/>
               <a:pPr/>
-              <a:t>2014/5/6</a:t>
+              <a:t>2018/3/3</a:t>
             </a:fld>
             <a:endParaRPr lang="zh-CN" altLang="en-US"/>
           </a:p>
@@ -2049,8 +2049,8 @@
         </p:nvSpPr>
         <p:spPr>
           <a:xfrm>
-            <a:off x="457200" y="273050"/>
-            <a:ext cx="3008313" cy="1162050"/>
+            <a:off x="457201" y="204787"/>
+            <a:ext cx="3008313" cy="871538"/>
           </a:xfrm>
         </p:spPr>
         <p:txBody>
@@ -2081,8 +2081,8 @@
         </p:nvSpPr>
         <p:spPr>
           <a:xfrm>
-            <a:off x="3575050" y="273050"/>
-            <a:ext cx="5111750" cy="5853113"/>
+            <a:off x="3575050" y="204788"/>
+            <a:ext cx="5111750" cy="4389835"/>
           </a:xfrm>
         </p:spPr>
         <p:txBody>
@@ -2166,8 +2166,8 @@
         </p:nvSpPr>
         <p:spPr>
           <a:xfrm>
-            <a:off x="457200" y="1435100"/>
-            <a:ext cx="3008313" cy="4691063"/>
+            <a:off x="457201" y="1076326"/>
+            <a:ext cx="3008313" cy="3518297"/>
           </a:xfrm>
         </p:spPr>
         <p:txBody>
@@ -2237,7 +2237,7 @@
             <a:fld id="{530820CF-B880-4189-942D-D702A7CBA730}" type="datetimeFigureOut">
               <a:rPr lang="zh-CN" altLang="en-US" smtClean="0"/>
               <a:pPr/>
-              <a:t>2014/5/6</a:t>
+              <a:t>2018/3/3</a:t>
             </a:fld>
             <a:endParaRPr lang="zh-CN" altLang="en-US"/>
           </a:p>
@@ -2323,8 +2323,8 @@
         </p:nvSpPr>
         <p:spPr>
           <a:xfrm>
-            <a:off x="1792288" y="4800600"/>
-            <a:ext cx="5486400" cy="566738"/>
+            <a:off x="1792288" y="3600450"/>
+            <a:ext cx="5486400" cy="425054"/>
           </a:xfrm>
         </p:spPr>
         <p:txBody>
@@ -2355,8 +2355,8 @@
         </p:nvSpPr>
         <p:spPr>
           <a:xfrm>
-            <a:off x="1792288" y="612775"/>
-            <a:ext cx="5486400" cy="4114800"/>
+            <a:off x="1792288" y="459581"/>
+            <a:ext cx="5486400" cy="3086100"/>
           </a:xfrm>
         </p:spPr>
         <p:txBody>
@@ -2416,8 +2416,8 @@
         </p:nvSpPr>
         <p:spPr>
           <a:xfrm>
-            <a:off x="1792288" y="5367338"/>
-            <a:ext cx="5486400" cy="804862"/>
+            <a:off x="1792288" y="4025503"/>
+            <a:ext cx="5486400" cy="603647"/>
           </a:xfrm>
         </p:spPr>
         <p:txBody>
@@ -2487,7 +2487,7 @@
             <a:fld id="{530820CF-B880-4189-942D-D702A7CBA730}" type="datetimeFigureOut">
               <a:rPr lang="zh-CN" altLang="en-US" smtClean="0"/>
               <a:pPr/>
-              <a:t>2014/5/6</a:t>
+              <a:t>2018/3/3</a:t>
             </a:fld>
             <a:endParaRPr lang="zh-CN" altLang="en-US"/>
           </a:p>
@@ -2578,8 +2578,8 @@
         </p:nvSpPr>
         <p:spPr>
           <a:xfrm>
-            <a:off x="457200" y="274638"/>
-            <a:ext cx="8229600" cy="1143000"/>
+            <a:off x="457200" y="205979"/>
+            <a:ext cx="8229600" cy="857250"/>
           </a:xfrm>
           <a:prstGeom prst="rect">
             <a:avLst/>
@@ -2611,8 +2611,8 @@
         </p:nvSpPr>
         <p:spPr>
           <a:xfrm>
-            <a:off x="457200" y="1600200"/>
-            <a:ext cx="8229600" cy="4525963"/>
+            <a:off x="457200" y="1200151"/>
+            <a:ext cx="8229600" cy="3394472"/>
           </a:xfrm>
           <a:prstGeom prst="rect">
             <a:avLst/>
@@ -2673,8 +2673,8 @@
         </p:nvSpPr>
         <p:spPr>
           <a:xfrm>
-            <a:off x="457200" y="6356350"/>
-            <a:ext cx="2133600" cy="365125"/>
+            <a:off x="457200" y="4767263"/>
+            <a:ext cx="2133600" cy="273844"/>
           </a:xfrm>
           <a:prstGeom prst="rect">
             <a:avLst/>
@@ -2697,7 +2697,7 @@
             <a:fld id="{530820CF-B880-4189-942D-D702A7CBA730}" type="datetimeFigureOut">
               <a:rPr lang="zh-CN" altLang="en-US" smtClean="0"/>
               <a:pPr/>
-              <a:t>2014/5/6</a:t>
+              <a:t>2018/3/3</a:t>
             </a:fld>
             <a:endParaRPr lang="zh-CN" altLang="en-US"/>
           </a:p>
@@ -2715,8 +2715,8 @@
         </p:nvSpPr>
         <p:spPr>
           <a:xfrm>
-            <a:off x="3124200" y="6356350"/>
-            <a:ext cx="2895600" cy="365125"/>
+            <a:off x="3124200" y="4767263"/>
+            <a:ext cx="2895600" cy="273844"/>
           </a:xfrm>
           <a:prstGeom prst="rect">
             <a:avLst/>
@@ -2752,8 +2752,8 @@
         </p:nvSpPr>
         <p:spPr>
           <a:xfrm>
-            <a:off x="6553200" y="6356350"/>
-            <a:ext cx="2133600" cy="365125"/>
+            <a:off x="6553200" y="4767263"/>
+            <a:ext cx="2133600" cy="273844"/>
           </a:xfrm>
           <a:prstGeom prst="rect">
             <a:avLst/>
@@ -3326,8 +3326,8 @@
         </p:blipFill>
         <p:spPr bwMode="auto">
           <a:xfrm>
-            <a:off x="395536" y="1700808"/>
-            <a:ext cx="2867372" cy="2536731"/>
+            <a:off x="395536" y="1275607"/>
+            <a:ext cx="2867372" cy="1902548"/>
           </a:xfrm>
           <a:prstGeom prst="rect">
             <a:avLst/>
@@ -3358,8 +3358,8 @@
         </p:blipFill>
         <p:spPr bwMode="auto">
           <a:xfrm>
-            <a:off x="3347864" y="2060848"/>
-            <a:ext cx="4636248" cy="1586086"/>
+            <a:off x="3347864" y="1545636"/>
+            <a:ext cx="4636248" cy="1189565"/>
           </a:xfrm>
           <a:prstGeom prst="rect">
             <a:avLst/>
@@ -3464,8 +3464,8 @@
         </p:blipFill>
         <p:spPr bwMode="auto">
           <a:xfrm>
-            <a:off x="539552" y="1844824"/>
-            <a:ext cx="3731468" cy="3301187"/>
+            <a:off x="539552" y="1383619"/>
+            <a:ext cx="3731468" cy="2475890"/>
           </a:xfrm>
           <a:prstGeom prst="rect">
             <a:avLst/>
@@ -3496,8 +3496,8 @@
         </p:blipFill>
         <p:spPr bwMode="auto">
           <a:xfrm>
-            <a:off x="4427984" y="1988840"/>
-            <a:ext cx="1351582" cy="3122075"/>
+            <a:off x="4427984" y="1491631"/>
+            <a:ext cx="1351582" cy="2341556"/>
           </a:xfrm>
           <a:prstGeom prst="rect">
             <a:avLst/>
@@ -3528,8 +3528,8 @@
         </p:blipFill>
         <p:spPr bwMode="auto">
           <a:xfrm>
-            <a:off x="6084168" y="2060848"/>
-            <a:ext cx="1296144" cy="2994017"/>
+            <a:off x="6084168" y="1545636"/>
+            <a:ext cx="1296144" cy="2245513"/>
           </a:xfrm>
           <a:prstGeom prst="rect">
             <a:avLst/>
@@ -3634,8 +3634,8 @@
         </p:blipFill>
         <p:spPr bwMode="auto">
           <a:xfrm>
-            <a:off x="1187624" y="2348880"/>
-            <a:ext cx="5899157" cy="2018134"/>
+            <a:off x="1187625" y="1761660"/>
+            <a:ext cx="5899157" cy="1513601"/>
           </a:xfrm>
           <a:prstGeom prst="rect">
             <a:avLst/>
@@ -3740,8 +3740,8 @@
         </p:blipFill>
         <p:spPr bwMode="auto">
           <a:xfrm>
-            <a:off x="1331640" y="1628800"/>
-            <a:ext cx="1711623" cy="3953749"/>
+            <a:off x="1331641" y="1221600"/>
+            <a:ext cx="1711623" cy="2965312"/>
           </a:xfrm>
           <a:prstGeom prst="rect">
             <a:avLst/>
@@ -3772,8 +3772,8 @@
         </p:blipFill>
         <p:spPr bwMode="auto">
           <a:xfrm>
-            <a:off x="5004048" y="1700808"/>
-            <a:ext cx="1962571" cy="3542827"/>
+            <a:off x="5004049" y="1275607"/>
+            <a:ext cx="1962571" cy="2657120"/>
           </a:xfrm>
           <a:prstGeom prst="rect">
             <a:avLst/>
@@ -3878,8 +3878,8 @@
         </p:blipFill>
         <p:spPr bwMode="auto">
           <a:xfrm>
-            <a:off x="1547664" y="2420888"/>
-            <a:ext cx="5456614" cy="3672408"/>
+            <a:off x="1547664" y="1815666"/>
+            <a:ext cx="5456614" cy="2754306"/>
           </a:xfrm>
           <a:prstGeom prst="rect">
             <a:avLst/>
@@ -3984,8 +3984,8 @@
         </p:blipFill>
         <p:spPr bwMode="auto">
           <a:xfrm>
-            <a:off x="539552" y="1628800"/>
-            <a:ext cx="3568253" cy="2031404"/>
+            <a:off x="539553" y="1221600"/>
+            <a:ext cx="3568253" cy="1523553"/>
           </a:xfrm>
           <a:prstGeom prst="rect">
             <a:avLst/>
@@ -4016,8 +4016,8 @@
         </p:blipFill>
         <p:spPr bwMode="auto">
           <a:xfrm>
-            <a:off x="4932040" y="1484784"/>
-            <a:ext cx="3456384" cy="3128562"/>
+            <a:off x="4932040" y="1113588"/>
+            <a:ext cx="3456384" cy="2346422"/>
           </a:xfrm>
           <a:prstGeom prst="rect">
             <a:avLst/>
@@ -4048,8 +4048,8 @@
         </p:blipFill>
         <p:spPr bwMode="auto">
           <a:xfrm>
-            <a:off x="2483768" y="4725144"/>
-            <a:ext cx="3586244" cy="2007021"/>
+            <a:off x="2483768" y="3543858"/>
+            <a:ext cx="3586244" cy="1505266"/>
           </a:xfrm>
           <a:prstGeom prst="rect">
             <a:avLst/>
@@ -4161,8 +4161,8 @@
         </p:blipFill>
         <p:spPr bwMode="auto">
           <a:xfrm>
-            <a:off x="899592" y="2204864"/>
-            <a:ext cx="3345904" cy="4198697"/>
+            <a:off x="899592" y="1653648"/>
+            <a:ext cx="3345904" cy="3149023"/>
           </a:xfrm>
           <a:prstGeom prst="rect">
             <a:avLst/>
@@ -4193,8 +4193,8 @@
         </p:blipFill>
         <p:spPr bwMode="auto">
           <a:xfrm>
-            <a:off x="4644008" y="2924944"/>
-            <a:ext cx="3742697" cy="2073250"/>
+            <a:off x="4644009" y="2193708"/>
+            <a:ext cx="3742697" cy="1554938"/>
           </a:xfrm>
           <a:prstGeom prst="rect">
             <a:avLst/>
@@ -4299,8 +4299,8 @@
         </p:blipFill>
         <p:spPr bwMode="auto">
           <a:xfrm>
-            <a:off x="0" y="1628800"/>
-            <a:ext cx="3157293" cy="2448272"/>
+            <a:off x="1" y="1221600"/>
+            <a:ext cx="3157293" cy="1836204"/>
           </a:xfrm>
           <a:prstGeom prst="rect">
             <a:avLst/>
@@ -4331,8 +4331,8 @@
         </p:blipFill>
         <p:spPr bwMode="auto">
           <a:xfrm>
-            <a:off x="6228184" y="1484784"/>
-            <a:ext cx="2135609" cy="3672678"/>
+            <a:off x="6228185" y="1113588"/>
+            <a:ext cx="2135609" cy="2754509"/>
           </a:xfrm>
           <a:prstGeom prst="rect">
             <a:avLst/>
@@ -4363,8 +4363,8 @@
         </p:blipFill>
         <p:spPr bwMode="auto">
           <a:xfrm>
-            <a:off x="3419872" y="1628800"/>
-            <a:ext cx="2387236" cy="2773585"/>
+            <a:off x="3419872" y="1221600"/>
+            <a:ext cx="2387236" cy="2080189"/>
           </a:xfrm>
           <a:prstGeom prst="rect">
             <a:avLst/>
